--- a/C2/C2.T1_Data Science Framework Report.pptx
+++ b/C2/C2.T1_Data Science Framework Report.pptx
@@ -15,7 +15,7 @@
     <p:sldId id="283" r:id="rId6"/>
     <p:sldId id="285" r:id="rId7"/>
     <p:sldId id="286" r:id="rId8"/>
-    <p:sldId id="282" r:id="rId9"/>
+    <p:sldId id="287" r:id="rId9"/>
     <p:sldId id="281" r:id="rId10"/>
     <p:sldId id="275" r:id="rId11"/>
   </p:sldIdLst>
@@ -11101,86 +11101,6 @@
           <a:chExt cx="0" cy="0"/>
         </a:xfrm>
       </p:grpSpPr>
-      <p:grpSp>
-        <p:nvGrpSpPr>
-          <p:cNvPr id="28" name="Group 27">
-            <a:extLst>
-              <a:ext uri="{FF2B5EF4-FFF2-40B4-BE49-F238E27FC236}">
-                <a16:creationId xmlns:a16="http://schemas.microsoft.com/office/drawing/2014/main" id="{E94A62F1-4C02-0B45-8ACA-B1CBE7E80DAF}"/>
-              </a:ext>
-            </a:extLst>
-          </p:cNvPr>
-          <p:cNvGrpSpPr/>
-          <p:nvPr/>
-        </p:nvGrpSpPr>
-        <p:grpSpPr>
-          <a:xfrm>
-            <a:off x="543732" y="2573864"/>
-            <a:ext cx="10981411" cy="3539371"/>
-            <a:chOff x="838199" y="2550118"/>
-            <a:chExt cx="10981411" cy="3539371"/>
-          </a:xfrm>
-        </p:grpSpPr>
-        <p:pic>
-          <p:nvPicPr>
-            <p:cNvPr id="19" name="Picture 18">
-              <a:extLst>
-                <a:ext uri="{FF2B5EF4-FFF2-40B4-BE49-F238E27FC236}">
-                  <a16:creationId xmlns:a16="http://schemas.microsoft.com/office/drawing/2014/main" id="{8E07DE4E-9785-8B47-9F7C-9007A39BA875}"/>
-                </a:ext>
-              </a:extLst>
-            </p:cNvPr>
-            <p:cNvPicPr>
-              <a:picLocks noChangeAspect="1"/>
-            </p:cNvPicPr>
-            <p:nvPr/>
-          </p:nvPicPr>
-          <p:blipFill rotWithShape="1">
-            <a:blip r:embed="rId2"/>
-            <a:srcRect l="8985"/>
-            <a:stretch/>
-          </p:blipFill>
-          <p:spPr>
-            <a:xfrm>
-              <a:off x="6638870" y="2550118"/>
-              <a:ext cx="5180740" cy="3539371"/>
-            </a:xfrm>
-            <a:prstGeom prst="rect">
-              <a:avLst/>
-            </a:prstGeom>
-          </p:spPr>
-        </p:pic>
-        <p:pic>
-          <p:nvPicPr>
-            <p:cNvPr id="21" name="Picture 20">
-              <a:extLst>
-                <a:ext uri="{FF2B5EF4-FFF2-40B4-BE49-F238E27FC236}">
-                  <a16:creationId xmlns:a16="http://schemas.microsoft.com/office/drawing/2014/main" id="{3374187C-5B29-2D4F-8CDF-B1BF8E5E57DB}"/>
-                </a:ext>
-              </a:extLst>
-            </p:cNvPr>
-            <p:cNvPicPr>
-              <a:picLocks noChangeAspect="1"/>
-            </p:cNvPicPr>
-            <p:nvPr/>
-          </p:nvPicPr>
-          <p:blipFill>
-            <a:blip r:embed="rId3"/>
-            <a:stretch>
-              <a:fillRect/>
-            </a:stretch>
-          </p:blipFill>
-          <p:spPr>
-            <a:xfrm>
-              <a:off x="838199" y="2550118"/>
-              <a:ext cx="5692184" cy="3539371"/>
-            </a:xfrm>
-            <a:prstGeom prst="rect">
-              <a:avLst/>
-            </a:prstGeom>
-          </p:spPr>
-        </p:pic>
-      </p:grpSp>
       <p:cxnSp>
         <p:nvCxnSpPr>
           <p:cNvPr id="8" name="Straight Connector 7">
@@ -11256,7 +11176,7 @@
                   </a:schemeClr>
                 </a:solidFill>
               </a:rPr>
-              <a:t>An Increase in ‘payment delay’</a:t>
+              <a:t>Details of Main Attributes</a:t>
             </a:r>
           </a:p>
           <a:p>
@@ -11268,7 +11188,7 @@
                   </a:schemeClr>
                 </a:solidFill>
               </a:rPr>
-              <a:t>It shows an increase in the number of people whose payment is delay.</a:t>
+              <a:t>Here is the sample size and basic description for each main attribute.</a:t>
             </a:r>
           </a:p>
         </p:txBody>
@@ -11356,78 +11276,6 @@
               <a:t>8</a:t>
             </a:fld>
             <a:endParaRPr lang="en-US" dirty="0"/>
-          </a:p>
-        </p:txBody>
-      </p:sp>
-      <p:sp>
-        <p:nvSpPr>
-          <p:cNvPr id="15" name="TextBox 14">
-            <a:extLst>
-              <a:ext uri="{FF2B5EF4-FFF2-40B4-BE49-F238E27FC236}">
-                <a16:creationId xmlns:a16="http://schemas.microsoft.com/office/drawing/2014/main" id="{73C68DB0-0470-B643-AF12-5146B4952710}"/>
-              </a:ext>
-            </a:extLst>
-          </p:cNvPr>
-          <p:cNvSpPr txBox="1"/>
-          <p:nvPr/>
-        </p:nvSpPr>
-        <p:spPr>
-          <a:xfrm>
-            <a:off x="838199" y="1530531"/>
-            <a:ext cx="10103603" cy="800219"/>
-          </a:xfrm>
-          <a:prstGeom prst="rect">
-            <a:avLst/>
-          </a:prstGeom>
-          <a:noFill/>
-        </p:spPr>
-        <p:txBody>
-          <a:bodyPr wrap="square" rtlCol="0">
-            <a:spAutoFit/>
-          </a:bodyPr>
-          <a:lstStyle/>
-          <a:p>
-            <a:r>
-              <a:rPr lang="en-US" b="1" dirty="0">
-                <a:solidFill>
-                  <a:schemeClr val="bg2">
-                    <a:lumMod val="10000"/>
-                  </a:schemeClr>
-                </a:solidFill>
-              </a:rPr>
-              <a:t>Explanation:</a:t>
-            </a:r>
-            <a:endParaRPr lang="en-US" sz="1400" b="1" dirty="0">
-              <a:solidFill>
-                <a:schemeClr val="bg2">
-                  <a:lumMod val="10000"/>
-                </a:schemeClr>
-              </a:solidFill>
-            </a:endParaRPr>
-          </a:p>
-          <a:p>
-            <a:r>
-              <a:rPr lang="en-US" sz="1400" dirty="0">
-                <a:solidFill>
-                  <a:schemeClr val="bg2">
-                    <a:lumMod val="10000"/>
-                  </a:schemeClr>
-                </a:solidFill>
-              </a:rPr>
-              <a:t>-2: No consumption; -1: Paid in full; 0: The use of revolving credit; </a:t>
-            </a:r>
-          </a:p>
-          <a:p>
-            <a:r>
-              <a:rPr lang="en-US" sz="1400" dirty="0">
-                <a:solidFill>
-                  <a:schemeClr val="bg2">
-                    <a:lumMod val="10000"/>
-                  </a:schemeClr>
-                </a:solidFill>
-              </a:rPr>
-              <a:t>1 = payment delay for one month; 2 = payment delay for two months; . . .; 8 = payment delay for eight months.</a:t>
-            </a:r>
           </a:p>
         </p:txBody>
       </p:sp>
@@ -11472,225 +11320,1481 @@
           </a:p>
         </p:txBody>
       </p:sp>
-      <p:sp>
-        <p:nvSpPr>
-          <p:cNvPr id="29" name="Rectangle 28">
-            <a:extLst>
-              <a:ext uri="{FF2B5EF4-FFF2-40B4-BE49-F238E27FC236}">
-                <a16:creationId xmlns:a16="http://schemas.microsoft.com/office/drawing/2014/main" id="{3099814A-8F0C-8E4B-8ECD-2651FDFF33A8}"/>
-              </a:ext>
-            </a:extLst>
-          </p:cNvPr>
-          <p:cNvSpPr/>
+      <p:graphicFrame>
+        <p:nvGraphicFramePr>
+          <p:cNvPr id="2" name="Table 1">
+            <a:extLst>
+              <a:ext uri="{FF2B5EF4-FFF2-40B4-BE49-F238E27FC236}">
+                <a16:creationId xmlns:a16="http://schemas.microsoft.com/office/drawing/2014/main" id="{EFBE668F-0459-DC4A-8F02-F5FB8592CCE0}"/>
+              </a:ext>
+            </a:extLst>
+          </p:cNvPr>
+          <p:cNvGraphicFramePr>
+            <a:graphicFrameLocks noGrp="1"/>
+          </p:cNvGraphicFramePr>
+          <p:nvPr>
+            <p:extLst>
+              <p:ext uri="{D42A27DB-BD31-4B8C-83A1-F6EECF244321}">
+                <p14:modId xmlns:p14="http://schemas.microsoft.com/office/powerpoint/2010/main" val="1582794309"/>
+              </p:ext>
+            </p:extLst>
+          </p:nvPr>
+        </p:nvGraphicFramePr>
+        <p:xfrm>
+          <a:off x="1021080" y="1853156"/>
+          <a:ext cx="4514088" cy="866110"/>
+        </p:xfrm>
+        <a:graphic>
+          <a:graphicData uri="http://schemas.openxmlformats.org/drawingml/2006/table">
+            <a:tbl>
+              <a:tblPr firstRow="1" bandRow="1">
+                <a:tableStyleId>{5C22544A-7EE6-4342-B048-85BDC9FD1C3A}</a:tableStyleId>
+              </a:tblPr>
+              <a:tblGrid>
+                <a:gridCol w="2257044">
+                  <a:extLst>
+                    <a:ext uri="{9D8B030D-6E8A-4147-A177-3AD203B41FA5}">
+                      <a16:colId xmlns:a16="http://schemas.microsoft.com/office/drawing/2014/main" val="1336564454"/>
+                    </a:ext>
+                  </a:extLst>
+                </a:gridCol>
+                <a:gridCol w="2257044">
+                  <a:extLst>
+                    <a:ext uri="{9D8B030D-6E8A-4147-A177-3AD203B41FA5}">
+                      <a16:colId xmlns:a16="http://schemas.microsoft.com/office/drawing/2014/main" val="3079891291"/>
+                    </a:ext>
+                  </a:extLst>
+                </a:gridCol>
+              </a:tblGrid>
+              <a:tr h="433055">
+                <a:tc>
+                  <a:txBody>
+                    <a:bodyPr/>
+                    <a:lstStyle/>
+                    <a:p>
+                      <a:pPr algn="ctr"/>
+                      <a:r>
+                        <a:rPr lang="en-US" sz="1200" dirty="0"/>
+                        <a:t>Default</a:t>
+                      </a:r>
+                    </a:p>
+                  </a:txBody>
+                  <a:tcPr anchor="ctr">
+                    <a:solidFill>
+                      <a:srgbClr val="1B39A8"/>
+                    </a:solidFill>
+                  </a:tcPr>
+                </a:tc>
+                <a:tc>
+                  <a:txBody>
+                    <a:bodyPr/>
+                    <a:lstStyle/>
+                    <a:p>
+                      <a:pPr algn="ctr"/>
+                      <a:r>
+                        <a:rPr lang="en-US" sz="1200" dirty="0"/>
+                        <a:t>Not Default</a:t>
+                      </a:r>
+                    </a:p>
+                  </a:txBody>
+                  <a:tcPr anchor="ctr">
+                    <a:solidFill>
+                      <a:srgbClr val="1B39A8"/>
+                    </a:solidFill>
+                  </a:tcPr>
+                </a:tc>
+                <a:extLst>
+                  <a:ext uri="{0D108BD9-81ED-4DB2-BD59-A6C34878D82A}">
+                    <a16:rowId xmlns:a16="http://schemas.microsoft.com/office/drawing/2014/main" val="1054776878"/>
+                  </a:ext>
+                </a:extLst>
+              </a:tr>
+              <a:tr h="433055">
+                <a:tc>
+                  <a:txBody>
+                    <a:bodyPr/>
+                    <a:lstStyle/>
+                    <a:p>
+                      <a:pPr algn="ctr"/>
+                      <a:r>
+                        <a:rPr lang="en-US" sz="1200" dirty="0"/>
+                        <a:t>23364</a:t>
+                      </a:r>
+                    </a:p>
+                  </a:txBody>
+                  <a:tcPr anchor="ctr">
+                    <a:solidFill>
+                      <a:schemeClr val="accent5">
+                        <a:lumMod val="20000"/>
+                        <a:lumOff val="80000"/>
+                      </a:schemeClr>
+                    </a:solidFill>
+                  </a:tcPr>
+                </a:tc>
+                <a:tc>
+                  <a:txBody>
+                    <a:bodyPr/>
+                    <a:lstStyle/>
+                    <a:p>
+                      <a:pPr algn="ctr"/>
+                      <a:r>
+                        <a:rPr lang="en-US" sz="1200" dirty="0"/>
+                        <a:t>6636</a:t>
+                      </a:r>
+                    </a:p>
+                  </a:txBody>
+                  <a:tcPr anchor="ctr">
+                    <a:solidFill>
+                      <a:schemeClr val="accent5">
+                        <a:lumMod val="20000"/>
+                        <a:lumOff val="80000"/>
+                      </a:schemeClr>
+                    </a:solidFill>
+                  </a:tcPr>
+                </a:tc>
+                <a:extLst>
+                  <a:ext uri="{0D108BD9-81ED-4DB2-BD59-A6C34878D82A}">
+                    <a16:rowId xmlns:a16="http://schemas.microsoft.com/office/drawing/2014/main" val="712841122"/>
+                  </a:ext>
+                </a:extLst>
+              </a:tr>
+            </a:tbl>
+          </a:graphicData>
+        </a:graphic>
+      </p:graphicFrame>
+      <p:sp>
+        <p:nvSpPr>
+          <p:cNvPr id="46" name="TextBox 45">
+            <a:extLst>
+              <a:ext uri="{FF2B5EF4-FFF2-40B4-BE49-F238E27FC236}">
+                <a16:creationId xmlns:a16="http://schemas.microsoft.com/office/drawing/2014/main" id="{71E72557-9D64-8044-933D-B73C33A51976}"/>
+              </a:ext>
+            </a:extLst>
+          </p:cNvPr>
+          <p:cNvSpPr txBox="1"/>
           <p:nvPr/>
         </p:nvSpPr>
         <p:spPr>
           <a:xfrm>
-            <a:off x="2479729" y="4985085"/>
-            <a:ext cx="1441342" cy="950766"/>
+            <a:off x="2063306" y="2759264"/>
+            <a:ext cx="2429637" cy="307777"/>
           </a:xfrm>
           <a:prstGeom prst="rect">
             <a:avLst/>
           </a:prstGeom>
           <a:noFill/>
-          <a:ln w="38100">
-            <a:solidFill>
-              <a:srgbClr val="F30253"/>
-            </a:solidFill>
-            <a:prstDash val="sysDash"/>
-          </a:ln>
         </p:spPr>
-        <p:style>
-          <a:lnRef idx="2">
-            <a:schemeClr val="accent1">
-              <a:shade val="50000"/>
-            </a:schemeClr>
-          </a:lnRef>
-          <a:fillRef idx="1">
-            <a:schemeClr val="accent1"/>
-          </a:fillRef>
-          <a:effectRef idx="0">
-            <a:schemeClr val="accent1"/>
-          </a:effectRef>
-          <a:fontRef idx="minor">
-            <a:schemeClr val="lt1"/>
-          </a:fontRef>
-        </p:style>
-        <p:txBody>
-          <a:bodyPr rtlCol="0" anchor="ctr"/>
+        <p:txBody>
+          <a:bodyPr wrap="square" rtlCol="0">
+            <a:spAutoFit/>
+          </a:bodyPr>
           <a:lstStyle/>
           <a:p>
             <a:pPr algn="ctr"/>
-            <a:endParaRPr lang="en-US"/>
-          </a:p>
-        </p:txBody>
-      </p:sp>
-      <p:sp>
-        <p:nvSpPr>
-          <p:cNvPr id="26" name="Line Callout 2 (Border and Accent Bar) 25">
-            <a:extLst>
-              <a:ext uri="{FF2B5EF4-FFF2-40B4-BE49-F238E27FC236}">
-                <a16:creationId xmlns:a16="http://schemas.microsoft.com/office/drawing/2014/main" id="{7A8DDB84-51DA-D448-8F26-2A513646712B}"/>
-              </a:ext>
-            </a:extLst>
-          </p:cNvPr>
-          <p:cNvSpPr/>
-          <p:nvPr/>
-        </p:nvSpPr>
-        <p:spPr>
-          <a:xfrm>
-            <a:off x="4207588" y="4547264"/>
-            <a:ext cx="2082571" cy="875643"/>
-          </a:xfrm>
-          <a:prstGeom prst="accentBorderCallout2">
-            <a:avLst>
-              <a:gd name="adj1" fmla="val 20130"/>
-              <a:gd name="adj2" fmla="val -6824"/>
-              <a:gd name="adj3" fmla="val 21510"/>
-              <a:gd name="adj4" fmla="val -21143"/>
-              <a:gd name="adj5" fmla="val 69026"/>
-              <a:gd name="adj6" fmla="val -50548"/>
-            </a:avLst>
-          </a:prstGeom>
-          <a:solidFill>
-            <a:schemeClr val="bg1"/>
-          </a:solidFill>
-          <a:ln w="6350">
-            <a:solidFill>
-              <a:schemeClr val="bg1">
-                <a:lumMod val="50000"/>
-              </a:schemeClr>
-            </a:solidFill>
-          </a:ln>
-        </p:spPr>
-        <p:style>
-          <a:lnRef idx="2">
-            <a:schemeClr val="accent1">
-              <a:shade val="50000"/>
-            </a:schemeClr>
-          </a:lnRef>
-          <a:fillRef idx="1">
-            <a:schemeClr val="accent1"/>
-          </a:fillRef>
-          <a:effectRef idx="0">
-            <a:schemeClr val="accent1"/>
-          </a:effectRef>
-          <a:fontRef idx="minor">
-            <a:schemeClr val="lt1"/>
-          </a:fontRef>
-        </p:style>
-        <p:txBody>
-          <a:bodyPr rtlCol="0" anchor="ctr"/>
-          <a:lstStyle/>
-          <a:p>
             <a:r>
               <a:rPr lang="en-US" sz="1400" dirty="0">
                 <a:solidFill>
-                  <a:schemeClr val="bg2">
-                    <a:lumMod val="10000"/>
+                  <a:schemeClr val="bg1">
+                    <a:lumMod val="50000"/>
                   </a:schemeClr>
                 </a:solidFill>
               </a:rPr>
-              <a:t>The number of people who’s </a:t>
-            </a:r>
-            <a:r>
-              <a:rPr lang="en-US" sz="1400" b="1" dirty="0">
-                <a:solidFill>
-                  <a:schemeClr val="bg2">
-                    <a:lumMod val="10000"/>
-                  </a:schemeClr>
-                </a:solidFill>
-              </a:rPr>
-              <a:t>‘payment delay’ </a:t>
-            </a:r>
-            <a:r>
-              <a:rPr lang="en-US" sz="1400" dirty="0">
-                <a:solidFill>
-                  <a:schemeClr val="bg2">
-                    <a:lumMod val="10000"/>
-                  </a:schemeClr>
-                </a:solidFill>
-              </a:rPr>
-              <a:t>has </a:t>
-            </a:r>
-            <a:r>
-              <a:rPr lang="en-US" sz="1400" dirty="0">
-                <a:solidFill>
-                  <a:srgbClr val="FF0000"/>
-                </a:solidFill>
-              </a:rPr>
-              <a:t>increased</a:t>
-            </a:r>
-            <a:r>
-              <a:rPr lang="en-US" sz="1400" dirty="0">
-                <a:solidFill>
-                  <a:schemeClr val="bg2">
-                    <a:lumMod val="10000"/>
-                  </a:schemeClr>
-                </a:solidFill>
-              </a:rPr>
-              <a:t>.</a:t>
-            </a:r>
-          </a:p>
-        </p:txBody>
-      </p:sp>
-      <p:sp>
-        <p:nvSpPr>
-          <p:cNvPr id="30" name="Rectangle 29">
-            <a:extLst>
-              <a:ext uri="{FF2B5EF4-FFF2-40B4-BE49-F238E27FC236}">
-                <a16:creationId xmlns:a16="http://schemas.microsoft.com/office/drawing/2014/main" id="{96B82437-6AAD-E940-869B-93A6F5E4AB52}"/>
-              </a:ext>
-            </a:extLst>
-          </p:cNvPr>
-          <p:cNvSpPr/>
+              <a:t>default payment next month</a:t>
+            </a:r>
+          </a:p>
+        </p:txBody>
+      </p:sp>
+      <p:graphicFrame>
+        <p:nvGraphicFramePr>
+          <p:cNvPr id="47" name="Table 46">
+            <a:extLst>
+              <a:ext uri="{FF2B5EF4-FFF2-40B4-BE49-F238E27FC236}">
+                <a16:creationId xmlns:a16="http://schemas.microsoft.com/office/drawing/2014/main" id="{B3FD25E6-9AAA-FD42-BB6A-9C14572FBF3C}"/>
+              </a:ext>
+            </a:extLst>
+          </p:cNvPr>
+          <p:cNvGraphicFramePr>
+            <a:graphicFrameLocks noGrp="1"/>
+          </p:cNvGraphicFramePr>
+          <p:nvPr>
+            <p:extLst>
+              <p:ext uri="{D42A27DB-BD31-4B8C-83A1-F6EECF244321}">
+                <p14:modId xmlns:p14="http://schemas.microsoft.com/office/powerpoint/2010/main" val="1243237977"/>
+              </p:ext>
+            </p:extLst>
+          </p:nvPr>
+        </p:nvGraphicFramePr>
+        <p:xfrm>
+          <a:off x="1021080" y="3299169"/>
+          <a:ext cx="4514088" cy="866110"/>
+        </p:xfrm>
+        <a:graphic>
+          <a:graphicData uri="http://schemas.openxmlformats.org/drawingml/2006/table">
+            <a:tbl>
+              <a:tblPr firstRow="1" bandRow="1">
+                <a:tableStyleId>{5C22544A-7EE6-4342-B048-85BDC9FD1C3A}</a:tableStyleId>
+              </a:tblPr>
+              <a:tblGrid>
+                <a:gridCol w="1128522">
+                  <a:extLst>
+                    <a:ext uri="{9D8B030D-6E8A-4147-A177-3AD203B41FA5}">
+                      <a16:colId xmlns:a16="http://schemas.microsoft.com/office/drawing/2014/main" val="1336564454"/>
+                    </a:ext>
+                  </a:extLst>
+                </a:gridCol>
+                <a:gridCol w="1128522">
+                  <a:extLst>
+                    <a:ext uri="{9D8B030D-6E8A-4147-A177-3AD203B41FA5}">
+                      <a16:colId xmlns:a16="http://schemas.microsoft.com/office/drawing/2014/main" val="3079891291"/>
+                    </a:ext>
+                  </a:extLst>
+                </a:gridCol>
+                <a:gridCol w="1128522">
+                  <a:extLst>
+                    <a:ext uri="{9D8B030D-6E8A-4147-A177-3AD203B41FA5}">
+                      <a16:colId xmlns:a16="http://schemas.microsoft.com/office/drawing/2014/main" val="3634830151"/>
+                    </a:ext>
+                  </a:extLst>
+                </a:gridCol>
+                <a:gridCol w="1128522">
+                  <a:extLst>
+                    <a:ext uri="{9D8B030D-6E8A-4147-A177-3AD203B41FA5}">
+                      <a16:colId xmlns:a16="http://schemas.microsoft.com/office/drawing/2014/main" val="1601995938"/>
+                    </a:ext>
+                  </a:extLst>
+                </a:gridCol>
+              </a:tblGrid>
+              <a:tr h="433055">
+                <a:tc>
+                  <a:txBody>
+                    <a:bodyPr/>
+                    <a:lstStyle/>
+                    <a:p>
+                      <a:pPr algn="ctr"/>
+                      <a:r>
+                        <a:rPr lang="en-US" sz="1200" dirty="0"/>
+                        <a:t>Married</a:t>
+                      </a:r>
+                    </a:p>
+                  </a:txBody>
+                  <a:tcPr anchor="ctr">
+                    <a:solidFill>
+                      <a:srgbClr val="2185C6"/>
+                    </a:solidFill>
+                  </a:tcPr>
+                </a:tc>
+                <a:tc>
+                  <a:txBody>
+                    <a:bodyPr/>
+                    <a:lstStyle/>
+                    <a:p>
+                      <a:pPr algn="ctr"/>
+                      <a:r>
+                        <a:rPr lang="en-US" sz="1200" dirty="0"/>
+                        <a:t>Single</a:t>
+                      </a:r>
+                    </a:p>
+                  </a:txBody>
+                  <a:tcPr anchor="ctr">
+                    <a:solidFill>
+                      <a:srgbClr val="2185C6"/>
+                    </a:solidFill>
+                  </a:tcPr>
+                </a:tc>
+                <a:tc>
+                  <a:txBody>
+                    <a:bodyPr/>
+                    <a:lstStyle/>
+                    <a:p>
+                      <a:pPr algn="ctr"/>
+                      <a:r>
+                        <a:rPr lang="en-US" sz="1200" dirty="0"/>
+                        <a:t>Divorce</a:t>
+                      </a:r>
+                    </a:p>
+                  </a:txBody>
+                  <a:tcPr anchor="ctr">
+                    <a:solidFill>
+                      <a:srgbClr val="2185C6"/>
+                    </a:solidFill>
+                  </a:tcPr>
+                </a:tc>
+                <a:tc>
+                  <a:txBody>
+                    <a:bodyPr/>
+                    <a:lstStyle/>
+                    <a:p>
+                      <a:pPr algn="ctr"/>
+                      <a:r>
+                        <a:rPr lang="en-US" sz="1200" dirty="0"/>
+                        <a:t>Others</a:t>
+                      </a:r>
+                    </a:p>
+                  </a:txBody>
+                  <a:tcPr anchor="ctr">
+                    <a:solidFill>
+                      <a:srgbClr val="2185C6"/>
+                    </a:solidFill>
+                  </a:tcPr>
+                </a:tc>
+                <a:extLst>
+                  <a:ext uri="{0D108BD9-81ED-4DB2-BD59-A6C34878D82A}">
+                    <a16:rowId xmlns:a16="http://schemas.microsoft.com/office/drawing/2014/main" val="1054776878"/>
+                  </a:ext>
+                </a:extLst>
+              </a:tr>
+              <a:tr h="433055">
+                <a:tc>
+                  <a:txBody>
+                    <a:bodyPr/>
+                    <a:lstStyle/>
+                    <a:p>
+                      <a:pPr algn="ctr"/>
+                      <a:r>
+                        <a:rPr lang="en-US" sz="1200" dirty="0"/>
+                        <a:t>13659</a:t>
+                      </a:r>
+                    </a:p>
+                  </a:txBody>
+                  <a:tcPr anchor="ctr">
+                    <a:solidFill>
+                      <a:srgbClr val="76D6FF">
+                        <a:alpha val="19608"/>
+                      </a:srgbClr>
+                    </a:solidFill>
+                  </a:tcPr>
+                </a:tc>
+                <a:tc>
+                  <a:txBody>
+                    <a:bodyPr/>
+                    <a:lstStyle/>
+                    <a:p>
+                      <a:pPr algn="ctr"/>
+                      <a:r>
+                        <a:rPr lang="en-US" sz="1200" dirty="0"/>
+                        <a:t>15964</a:t>
+                      </a:r>
+                    </a:p>
+                  </a:txBody>
+                  <a:tcPr anchor="ctr">
+                    <a:solidFill>
+                      <a:srgbClr val="76D6FF">
+                        <a:alpha val="19608"/>
+                      </a:srgbClr>
+                    </a:solidFill>
+                  </a:tcPr>
+                </a:tc>
+                <a:tc>
+                  <a:txBody>
+                    <a:bodyPr/>
+                    <a:lstStyle/>
+                    <a:p>
+                      <a:pPr algn="ctr"/>
+                      <a:r>
+                        <a:rPr lang="en-US" sz="1200" dirty="0"/>
+                        <a:t>323</a:t>
+                      </a:r>
+                    </a:p>
+                  </a:txBody>
+                  <a:tcPr anchor="ctr">
+                    <a:solidFill>
+                      <a:srgbClr val="76D6FF">
+                        <a:alpha val="19608"/>
+                      </a:srgbClr>
+                    </a:solidFill>
+                  </a:tcPr>
+                </a:tc>
+                <a:tc>
+                  <a:txBody>
+                    <a:bodyPr/>
+                    <a:lstStyle/>
+                    <a:p>
+                      <a:pPr algn="ctr"/>
+                      <a:r>
+                        <a:rPr lang="en-US" sz="1200" dirty="0"/>
+                        <a:t>54</a:t>
+                      </a:r>
+                    </a:p>
+                  </a:txBody>
+                  <a:tcPr anchor="ctr">
+                    <a:solidFill>
+                      <a:srgbClr val="76D6FF">
+                        <a:alpha val="19608"/>
+                      </a:srgbClr>
+                    </a:solidFill>
+                  </a:tcPr>
+                </a:tc>
+                <a:extLst>
+                  <a:ext uri="{0D108BD9-81ED-4DB2-BD59-A6C34878D82A}">
+                    <a16:rowId xmlns:a16="http://schemas.microsoft.com/office/drawing/2014/main" val="712841122"/>
+                  </a:ext>
+                </a:extLst>
+              </a:tr>
+            </a:tbl>
+          </a:graphicData>
+        </a:graphic>
+      </p:graphicFrame>
+      <p:sp>
+        <p:nvSpPr>
+          <p:cNvPr id="48" name="TextBox 47">
+            <a:extLst>
+              <a:ext uri="{FF2B5EF4-FFF2-40B4-BE49-F238E27FC236}">
+                <a16:creationId xmlns:a16="http://schemas.microsoft.com/office/drawing/2014/main" id="{2FD8C3F5-6AE5-6747-B52D-E7C3F5D529FA}"/>
+              </a:ext>
+            </a:extLst>
+          </p:cNvPr>
+          <p:cNvSpPr txBox="1"/>
           <p:nvPr/>
         </p:nvSpPr>
         <p:spPr>
           <a:xfrm>
-            <a:off x="7901553" y="4985085"/>
-            <a:ext cx="994474" cy="950766"/>
+            <a:off x="2063306" y="4205277"/>
+            <a:ext cx="2429637" cy="307777"/>
           </a:xfrm>
           <a:prstGeom prst="rect">
             <a:avLst/>
           </a:prstGeom>
           <a:noFill/>
-          <a:ln w="38100">
-            <a:solidFill>
-              <a:srgbClr val="F30253"/>
-            </a:solidFill>
-            <a:prstDash val="sysDash"/>
-          </a:ln>
         </p:spPr>
-        <p:style>
-          <a:lnRef idx="2">
-            <a:schemeClr val="accent1">
-              <a:shade val="50000"/>
-            </a:schemeClr>
-          </a:lnRef>
-          <a:fillRef idx="1">
-            <a:schemeClr val="accent1"/>
-          </a:fillRef>
-          <a:effectRef idx="0">
-            <a:schemeClr val="accent1"/>
-          </a:effectRef>
-          <a:fontRef idx="minor">
-            <a:schemeClr val="lt1"/>
-          </a:fontRef>
-        </p:style>
-        <p:txBody>
-          <a:bodyPr rtlCol="0" anchor="ctr"/>
+        <p:txBody>
+          <a:bodyPr wrap="square" rtlCol="0">
+            <a:spAutoFit/>
+          </a:bodyPr>
           <a:lstStyle/>
           <a:p>
             <a:pPr algn="ctr"/>
-            <a:endParaRPr lang="en-US"/>
+            <a:r>
+              <a:rPr lang="en-US" sz="1400" dirty="0">
+                <a:solidFill>
+                  <a:schemeClr val="bg1">
+                    <a:lumMod val="50000"/>
+                  </a:schemeClr>
+                </a:solidFill>
+              </a:rPr>
+              <a:t>marriage</a:t>
+            </a:r>
+          </a:p>
+        </p:txBody>
+      </p:sp>
+      <p:graphicFrame>
+        <p:nvGraphicFramePr>
+          <p:cNvPr id="49" name="Table 48">
+            <a:extLst>
+              <a:ext uri="{FF2B5EF4-FFF2-40B4-BE49-F238E27FC236}">
+                <a16:creationId xmlns:a16="http://schemas.microsoft.com/office/drawing/2014/main" id="{7D8995E9-0E8B-7A4A-8D4E-DE5D0DA60CF8}"/>
+              </a:ext>
+            </a:extLst>
+          </p:cNvPr>
+          <p:cNvGraphicFramePr>
+            <a:graphicFrameLocks noGrp="1"/>
+          </p:cNvGraphicFramePr>
+          <p:nvPr>
+            <p:extLst>
+              <p:ext uri="{D42A27DB-BD31-4B8C-83A1-F6EECF244321}">
+                <p14:modId xmlns:p14="http://schemas.microsoft.com/office/powerpoint/2010/main" val="3603487101"/>
+              </p:ext>
+            </p:extLst>
+          </p:nvPr>
+        </p:nvGraphicFramePr>
+        <p:xfrm>
+          <a:off x="1021080" y="4745182"/>
+          <a:ext cx="4514088" cy="890255"/>
+        </p:xfrm>
+        <a:graphic>
+          <a:graphicData uri="http://schemas.openxmlformats.org/drawingml/2006/table">
+            <a:tbl>
+              <a:tblPr firstRow="1" bandRow="1">
+                <a:tableStyleId>{5C22544A-7EE6-4342-B048-85BDC9FD1C3A}</a:tableStyleId>
+              </a:tblPr>
+              <a:tblGrid>
+                <a:gridCol w="1128522">
+                  <a:extLst>
+                    <a:ext uri="{9D8B030D-6E8A-4147-A177-3AD203B41FA5}">
+                      <a16:colId xmlns:a16="http://schemas.microsoft.com/office/drawing/2014/main" val="1336564454"/>
+                    </a:ext>
+                  </a:extLst>
+                </a:gridCol>
+                <a:gridCol w="1128522">
+                  <a:extLst>
+                    <a:ext uri="{9D8B030D-6E8A-4147-A177-3AD203B41FA5}">
+                      <a16:colId xmlns:a16="http://schemas.microsoft.com/office/drawing/2014/main" val="3079891291"/>
+                    </a:ext>
+                  </a:extLst>
+                </a:gridCol>
+                <a:gridCol w="1128522">
+                  <a:extLst>
+                    <a:ext uri="{9D8B030D-6E8A-4147-A177-3AD203B41FA5}">
+                      <a16:colId xmlns:a16="http://schemas.microsoft.com/office/drawing/2014/main" val="3634830151"/>
+                    </a:ext>
+                  </a:extLst>
+                </a:gridCol>
+                <a:gridCol w="1128522">
+                  <a:extLst>
+                    <a:ext uri="{9D8B030D-6E8A-4147-A177-3AD203B41FA5}">
+                      <a16:colId xmlns:a16="http://schemas.microsoft.com/office/drawing/2014/main" val="1601995938"/>
+                    </a:ext>
+                  </a:extLst>
+                </a:gridCol>
+              </a:tblGrid>
+              <a:tr h="433055">
+                <a:tc>
+                  <a:txBody>
+                    <a:bodyPr/>
+                    <a:lstStyle/>
+                    <a:p>
+                      <a:pPr algn="ctr"/>
+                      <a:r>
+                        <a:rPr lang="en-US" sz="1200" dirty="0"/>
+                        <a:t>Graduate School</a:t>
+                      </a:r>
+                    </a:p>
+                  </a:txBody>
+                  <a:tcPr anchor="ctr">
+                    <a:solidFill>
+                      <a:srgbClr val="7ECEFE"/>
+                    </a:solidFill>
+                  </a:tcPr>
+                </a:tc>
+                <a:tc>
+                  <a:txBody>
+                    <a:bodyPr/>
+                    <a:lstStyle/>
+                    <a:p>
+                      <a:pPr algn="ctr"/>
+                      <a:r>
+                        <a:rPr lang="en-US" sz="1200" dirty="0"/>
+                        <a:t>University</a:t>
+                      </a:r>
+                    </a:p>
+                  </a:txBody>
+                  <a:tcPr anchor="ctr">
+                    <a:solidFill>
+                      <a:srgbClr val="7ECEFE"/>
+                    </a:solidFill>
+                  </a:tcPr>
+                </a:tc>
+                <a:tc>
+                  <a:txBody>
+                    <a:bodyPr/>
+                    <a:lstStyle/>
+                    <a:p>
+                      <a:pPr algn="ctr"/>
+                      <a:r>
+                        <a:rPr lang="en-US" sz="1200" dirty="0"/>
+                        <a:t>High School</a:t>
+                      </a:r>
+                    </a:p>
+                  </a:txBody>
+                  <a:tcPr anchor="ctr">
+                    <a:solidFill>
+                      <a:srgbClr val="7ECEFE"/>
+                    </a:solidFill>
+                  </a:tcPr>
+                </a:tc>
+                <a:tc>
+                  <a:txBody>
+                    <a:bodyPr/>
+                    <a:lstStyle/>
+                    <a:p>
+                      <a:pPr algn="ctr"/>
+                      <a:r>
+                        <a:rPr lang="en-US" sz="1200" dirty="0"/>
+                        <a:t>Others</a:t>
+                      </a:r>
+                    </a:p>
+                  </a:txBody>
+                  <a:tcPr anchor="ctr">
+                    <a:solidFill>
+                      <a:srgbClr val="7ECEFE"/>
+                    </a:solidFill>
+                  </a:tcPr>
+                </a:tc>
+                <a:extLst>
+                  <a:ext uri="{0D108BD9-81ED-4DB2-BD59-A6C34878D82A}">
+                    <a16:rowId xmlns:a16="http://schemas.microsoft.com/office/drawing/2014/main" val="1054776878"/>
+                  </a:ext>
+                </a:extLst>
+              </a:tr>
+              <a:tr h="433055">
+                <a:tc>
+                  <a:txBody>
+                    <a:bodyPr/>
+                    <a:lstStyle/>
+                    <a:p>
+                      <a:pPr algn="ctr"/>
+                      <a:r>
+                        <a:rPr lang="en-US" sz="1200" dirty="0"/>
+                        <a:t>14030</a:t>
+                      </a:r>
+                    </a:p>
+                  </a:txBody>
+                  <a:tcPr anchor="ctr">
+                    <a:solidFill>
+                      <a:srgbClr val="76D6FF">
+                        <a:alpha val="20000"/>
+                      </a:srgbClr>
+                    </a:solidFill>
+                  </a:tcPr>
+                </a:tc>
+                <a:tc>
+                  <a:txBody>
+                    <a:bodyPr/>
+                    <a:lstStyle/>
+                    <a:p>
+                      <a:pPr algn="ctr"/>
+                      <a:r>
+                        <a:rPr lang="en-US" sz="1200" dirty="0"/>
+                        <a:t>10585</a:t>
+                      </a:r>
+                    </a:p>
+                  </a:txBody>
+                  <a:tcPr anchor="ctr">
+                    <a:solidFill>
+                      <a:srgbClr val="76D6FF">
+                        <a:alpha val="20000"/>
+                      </a:srgbClr>
+                    </a:solidFill>
+                  </a:tcPr>
+                </a:tc>
+                <a:tc>
+                  <a:txBody>
+                    <a:bodyPr/>
+                    <a:lstStyle/>
+                    <a:p>
+                      <a:pPr algn="ctr"/>
+                      <a:r>
+                        <a:rPr lang="en-US" sz="1200" dirty="0"/>
+                        <a:t>4917</a:t>
+                      </a:r>
+                    </a:p>
+                  </a:txBody>
+                  <a:tcPr anchor="ctr">
+                    <a:solidFill>
+                      <a:srgbClr val="76D6FF">
+                        <a:alpha val="20000"/>
+                      </a:srgbClr>
+                    </a:solidFill>
+                  </a:tcPr>
+                </a:tc>
+                <a:tc>
+                  <a:txBody>
+                    <a:bodyPr/>
+                    <a:lstStyle/>
+                    <a:p>
+                      <a:pPr algn="ctr"/>
+                      <a:r>
+                        <a:rPr lang="en-US" sz="1200" dirty="0"/>
+                        <a:t>468</a:t>
+                      </a:r>
+                    </a:p>
+                  </a:txBody>
+                  <a:tcPr anchor="ctr">
+                    <a:solidFill>
+                      <a:srgbClr val="76D6FF">
+                        <a:alpha val="20000"/>
+                      </a:srgbClr>
+                    </a:solidFill>
+                  </a:tcPr>
+                </a:tc>
+                <a:extLst>
+                  <a:ext uri="{0D108BD9-81ED-4DB2-BD59-A6C34878D82A}">
+                    <a16:rowId xmlns:a16="http://schemas.microsoft.com/office/drawing/2014/main" val="712841122"/>
+                  </a:ext>
+                </a:extLst>
+              </a:tr>
+            </a:tbl>
+          </a:graphicData>
+        </a:graphic>
+      </p:graphicFrame>
+      <p:sp>
+        <p:nvSpPr>
+          <p:cNvPr id="50" name="TextBox 49">
+            <a:extLst>
+              <a:ext uri="{FF2B5EF4-FFF2-40B4-BE49-F238E27FC236}">
+                <a16:creationId xmlns:a16="http://schemas.microsoft.com/office/drawing/2014/main" id="{BAA4EFC0-9810-AB45-8E0E-B192A0FFBC4E}"/>
+              </a:ext>
+            </a:extLst>
+          </p:cNvPr>
+          <p:cNvSpPr txBox="1"/>
+          <p:nvPr/>
+        </p:nvSpPr>
+        <p:spPr>
+          <a:xfrm>
+            <a:off x="2063306" y="5651290"/>
+            <a:ext cx="2429637" cy="307777"/>
+          </a:xfrm>
+          <a:prstGeom prst="rect">
+            <a:avLst/>
+          </a:prstGeom>
+          <a:noFill/>
+        </p:spPr>
+        <p:txBody>
+          <a:bodyPr wrap="square" rtlCol="0">
+            <a:spAutoFit/>
+          </a:bodyPr>
+          <a:lstStyle/>
+          <a:p>
+            <a:pPr algn="ctr"/>
+            <a:r>
+              <a:rPr lang="en-US" sz="1400" dirty="0">
+                <a:solidFill>
+                  <a:schemeClr val="bg1">
+                    <a:lumMod val="50000"/>
+                  </a:schemeClr>
+                </a:solidFill>
+              </a:rPr>
+              <a:t>education</a:t>
+            </a:r>
+          </a:p>
+        </p:txBody>
+      </p:sp>
+      <p:sp>
+        <p:nvSpPr>
+          <p:cNvPr id="52" name="TextBox 51">
+            <a:extLst>
+              <a:ext uri="{FF2B5EF4-FFF2-40B4-BE49-F238E27FC236}">
+                <a16:creationId xmlns:a16="http://schemas.microsoft.com/office/drawing/2014/main" id="{F73ACBB4-57A9-CC43-9A55-017D87E891C7}"/>
+              </a:ext>
+            </a:extLst>
+          </p:cNvPr>
+          <p:cNvSpPr txBox="1"/>
+          <p:nvPr/>
+        </p:nvSpPr>
+        <p:spPr>
+          <a:xfrm>
+            <a:off x="7765606" y="2758498"/>
+            <a:ext cx="2429637" cy="307777"/>
+          </a:xfrm>
+          <a:prstGeom prst="rect">
+            <a:avLst/>
+          </a:prstGeom>
+          <a:noFill/>
+        </p:spPr>
+        <p:txBody>
+          <a:bodyPr wrap="square" rtlCol="0">
+            <a:spAutoFit/>
+          </a:bodyPr>
+          <a:lstStyle/>
+          <a:p>
+            <a:pPr algn="ctr"/>
+            <a:r>
+              <a:rPr lang="en-US" sz="1400" dirty="0">
+                <a:solidFill>
+                  <a:schemeClr val="bg1">
+                    <a:lumMod val="50000"/>
+                  </a:schemeClr>
+                </a:solidFill>
+              </a:rPr>
+              <a:t>sex</a:t>
+            </a:r>
+          </a:p>
+        </p:txBody>
+      </p:sp>
+      <p:graphicFrame>
+        <p:nvGraphicFramePr>
+          <p:cNvPr id="55" name="Table 54">
+            <a:extLst>
+              <a:ext uri="{FF2B5EF4-FFF2-40B4-BE49-F238E27FC236}">
+                <a16:creationId xmlns:a16="http://schemas.microsoft.com/office/drawing/2014/main" id="{040B8FA1-EC88-0249-AAE7-7798837897F5}"/>
+              </a:ext>
+            </a:extLst>
+          </p:cNvPr>
+          <p:cNvGraphicFramePr>
+            <a:graphicFrameLocks noGrp="1"/>
+          </p:cNvGraphicFramePr>
+          <p:nvPr>
+            <p:extLst>
+              <p:ext uri="{D42A27DB-BD31-4B8C-83A1-F6EECF244321}">
+                <p14:modId xmlns:p14="http://schemas.microsoft.com/office/powerpoint/2010/main" val="4008199294"/>
+              </p:ext>
+            </p:extLst>
+          </p:nvPr>
+        </p:nvGraphicFramePr>
+        <p:xfrm>
+          <a:off x="6723380" y="1852390"/>
+          <a:ext cx="4514088" cy="866110"/>
+        </p:xfrm>
+        <a:graphic>
+          <a:graphicData uri="http://schemas.openxmlformats.org/drawingml/2006/table">
+            <a:tbl>
+              <a:tblPr firstRow="1" bandRow="1">
+                <a:tableStyleId>{5C22544A-7EE6-4342-B048-85BDC9FD1C3A}</a:tableStyleId>
+              </a:tblPr>
+              <a:tblGrid>
+                <a:gridCol w="2257044">
+                  <a:extLst>
+                    <a:ext uri="{9D8B030D-6E8A-4147-A177-3AD203B41FA5}">
+                      <a16:colId xmlns:a16="http://schemas.microsoft.com/office/drawing/2014/main" val="1336564454"/>
+                    </a:ext>
+                  </a:extLst>
+                </a:gridCol>
+                <a:gridCol w="2257044">
+                  <a:extLst>
+                    <a:ext uri="{9D8B030D-6E8A-4147-A177-3AD203B41FA5}">
+                      <a16:colId xmlns:a16="http://schemas.microsoft.com/office/drawing/2014/main" val="3079891291"/>
+                    </a:ext>
+                  </a:extLst>
+                </a:gridCol>
+              </a:tblGrid>
+              <a:tr h="433055">
+                <a:tc>
+                  <a:txBody>
+                    <a:bodyPr/>
+                    <a:lstStyle/>
+                    <a:p>
+                      <a:pPr algn="ctr"/>
+                      <a:r>
+                        <a:rPr lang="en-US" sz="1200" dirty="0"/>
+                        <a:t>Female</a:t>
+                      </a:r>
+                    </a:p>
+                  </a:txBody>
+                  <a:tcPr anchor="ctr">
+                    <a:solidFill>
+                      <a:srgbClr val="F30253"/>
+                    </a:solidFill>
+                  </a:tcPr>
+                </a:tc>
+                <a:tc>
+                  <a:txBody>
+                    <a:bodyPr/>
+                    <a:lstStyle/>
+                    <a:p>
+                      <a:pPr algn="ctr"/>
+                      <a:r>
+                        <a:rPr lang="en-US" sz="1200" dirty="0"/>
+                        <a:t>Male</a:t>
+                      </a:r>
+                    </a:p>
+                  </a:txBody>
+                  <a:tcPr anchor="ctr">
+                    <a:solidFill>
+                      <a:srgbClr val="F30253"/>
+                    </a:solidFill>
+                  </a:tcPr>
+                </a:tc>
+                <a:extLst>
+                  <a:ext uri="{0D108BD9-81ED-4DB2-BD59-A6C34878D82A}">
+                    <a16:rowId xmlns:a16="http://schemas.microsoft.com/office/drawing/2014/main" val="1054776878"/>
+                  </a:ext>
+                </a:extLst>
+              </a:tr>
+              <a:tr h="433055">
+                <a:tc>
+                  <a:txBody>
+                    <a:bodyPr/>
+                    <a:lstStyle/>
+                    <a:p>
+                      <a:pPr algn="ctr"/>
+                      <a:r>
+                        <a:rPr lang="en-US" sz="1200" dirty="0"/>
+                        <a:t>18112</a:t>
+                      </a:r>
+                    </a:p>
+                  </a:txBody>
+                  <a:tcPr anchor="ctr">
+                    <a:solidFill>
+                      <a:srgbClr val="FF8AD8">
+                        <a:alpha val="20392"/>
+                      </a:srgbClr>
+                    </a:solidFill>
+                  </a:tcPr>
+                </a:tc>
+                <a:tc>
+                  <a:txBody>
+                    <a:bodyPr/>
+                    <a:lstStyle/>
+                    <a:p>
+                      <a:pPr algn="ctr"/>
+                      <a:r>
+                        <a:rPr lang="en-US" sz="1200" dirty="0"/>
+                        <a:t>11888</a:t>
+                      </a:r>
+                    </a:p>
+                  </a:txBody>
+                  <a:tcPr anchor="ctr">
+                    <a:solidFill>
+                      <a:srgbClr val="FF8AD8">
+                        <a:alpha val="20392"/>
+                      </a:srgbClr>
+                    </a:solidFill>
+                  </a:tcPr>
+                </a:tc>
+                <a:extLst>
+                  <a:ext uri="{0D108BD9-81ED-4DB2-BD59-A6C34878D82A}">
+                    <a16:rowId xmlns:a16="http://schemas.microsoft.com/office/drawing/2014/main" val="712841122"/>
+                  </a:ext>
+                </a:extLst>
+              </a:tr>
+            </a:tbl>
+          </a:graphicData>
+        </a:graphic>
+      </p:graphicFrame>
+      <p:graphicFrame>
+        <p:nvGraphicFramePr>
+          <p:cNvPr id="56" name="Table 55">
+            <a:extLst>
+              <a:ext uri="{FF2B5EF4-FFF2-40B4-BE49-F238E27FC236}">
+                <a16:creationId xmlns:a16="http://schemas.microsoft.com/office/drawing/2014/main" id="{000A8EBE-53C9-7F4C-A144-308EC69A52DB}"/>
+              </a:ext>
+            </a:extLst>
+          </p:cNvPr>
+          <p:cNvGraphicFramePr>
+            <a:graphicFrameLocks noGrp="1"/>
+          </p:cNvGraphicFramePr>
+          <p:nvPr>
+            <p:extLst>
+              <p:ext uri="{D42A27DB-BD31-4B8C-83A1-F6EECF244321}">
+                <p14:modId xmlns:p14="http://schemas.microsoft.com/office/powerpoint/2010/main" val="1182277760"/>
+              </p:ext>
+            </p:extLst>
+          </p:nvPr>
+        </p:nvGraphicFramePr>
+        <p:xfrm>
+          <a:off x="6723380" y="3299169"/>
+          <a:ext cx="4514088" cy="866110"/>
+        </p:xfrm>
+        <a:graphic>
+          <a:graphicData uri="http://schemas.openxmlformats.org/drawingml/2006/table">
+            <a:tbl>
+              <a:tblPr firstRow="1" bandRow="1">
+                <a:tableStyleId>{5C22544A-7EE6-4342-B048-85BDC9FD1C3A}</a:tableStyleId>
+              </a:tblPr>
+              <a:tblGrid>
+                <a:gridCol w="1128522">
+                  <a:extLst>
+                    <a:ext uri="{9D8B030D-6E8A-4147-A177-3AD203B41FA5}">
+                      <a16:colId xmlns:a16="http://schemas.microsoft.com/office/drawing/2014/main" val="1336564454"/>
+                    </a:ext>
+                  </a:extLst>
+                </a:gridCol>
+                <a:gridCol w="1128522">
+                  <a:extLst>
+                    <a:ext uri="{9D8B030D-6E8A-4147-A177-3AD203B41FA5}">
+                      <a16:colId xmlns:a16="http://schemas.microsoft.com/office/drawing/2014/main" val="3079891291"/>
+                    </a:ext>
+                  </a:extLst>
+                </a:gridCol>
+                <a:gridCol w="1128522">
+                  <a:extLst>
+                    <a:ext uri="{9D8B030D-6E8A-4147-A177-3AD203B41FA5}">
+                      <a16:colId xmlns:a16="http://schemas.microsoft.com/office/drawing/2014/main" val="3634830151"/>
+                    </a:ext>
+                  </a:extLst>
+                </a:gridCol>
+                <a:gridCol w="1128522">
+                  <a:extLst>
+                    <a:ext uri="{9D8B030D-6E8A-4147-A177-3AD203B41FA5}">
+                      <a16:colId xmlns:a16="http://schemas.microsoft.com/office/drawing/2014/main" val="1601995938"/>
+                    </a:ext>
+                  </a:extLst>
+                </a:gridCol>
+              </a:tblGrid>
+              <a:tr h="433055">
+                <a:tc>
+                  <a:txBody>
+                    <a:bodyPr/>
+                    <a:lstStyle/>
+                    <a:p>
+                      <a:pPr algn="ctr"/>
+                      <a:r>
+                        <a:rPr lang="en-US" sz="1200" dirty="0"/>
+                        <a:t>Mean</a:t>
+                      </a:r>
+                    </a:p>
+                  </a:txBody>
+                  <a:tcPr anchor="ctr">
+                    <a:solidFill>
+                      <a:srgbClr val="FF9718"/>
+                    </a:solidFill>
+                  </a:tcPr>
+                </a:tc>
+                <a:tc>
+                  <a:txBody>
+                    <a:bodyPr/>
+                    <a:lstStyle/>
+                    <a:p>
+                      <a:pPr algn="ctr"/>
+                      <a:r>
+                        <a:rPr lang="en-US" sz="1200" dirty="0"/>
+                        <a:t>Middle</a:t>
+                      </a:r>
+                    </a:p>
+                  </a:txBody>
+                  <a:tcPr anchor="ctr">
+                    <a:solidFill>
+                      <a:srgbClr val="FF9718"/>
+                    </a:solidFill>
+                  </a:tcPr>
+                </a:tc>
+                <a:tc>
+                  <a:txBody>
+                    <a:bodyPr/>
+                    <a:lstStyle/>
+                    <a:p>
+                      <a:pPr algn="ctr"/>
+                      <a:r>
+                        <a:rPr lang="en-US" sz="1200" dirty="0"/>
+                        <a:t>Min</a:t>
+                      </a:r>
+                    </a:p>
+                  </a:txBody>
+                  <a:tcPr anchor="ctr">
+                    <a:solidFill>
+                      <a:srgbClr val="FF9718"/>
+                    </a:solidFill>
+                  </a:tcPr>
+                </a:tc>
+                <a:tc>
+                  <a:txBody>
+                    <a:bodyPr/>
+                    <a:lstStyle/>
+                    <a:p>
+                      <a:pPr algn="ctr"/>
+                      <a:r>
+                        <a:rPr lang="en-US" sz="1200" dirty="0"/>
+                        <a:t>Max</a:t>
+                      </a:r>
+                    </a:p>
+                  </a:txBody>
+                  <a:tcPr anchor="ctr">
+                    <a:solidFill>
+                      <a:srgbClr val="FF9718"/>
+                    </a:solidFill>
+                  </a:tcPr>
+                </a:tc>
+                <a:extLst>
+                  <a:ext uri="{0D108BD9-81ED-4DB2-BD59-A6C34878D82A}">
+                    <a16:rowId xmlns:a16="http://schemas.microsoft.com/office/drawing/2014/main" val="1054776878"/>
+                  </a:ext>
+                </a:extLst>
+              </a:tr>
+              <a:tr h="433055">
+                <a:tc>
+                  <a:txBody>
+                    <a:bodyPr/>
+                    <a:lstStyle/>
+                    <a:p>
+                      <a:pPr algn="ctr"/>
+                      <a:r>
+                        <a:rPr lang="en-US" sz="1200" dirty="0"/>
+                        <a:t>35.5</a:t>
+                      </a:r>
+                    </a:p>
+                  </a:txBody>
+                  <a:tcPr anchor="ctr">
+                    <a:solidFill>
+                      <a:schemeClr val="accent4">
+                        <a:lumMod val="20000"/>
+                        <a:lumOff val="80000"/>
+                      </a:schemeClr>
+                    </a:solidFill>
+                  </a:tcPr>
+                </a:tc>
+                <a:tc>
+                  <a:txBody>
+                    <a:bodyPr/>
+                    <a:lstStyle/>
+                    <a:p>
+                      <a:pPr algn="ctr"/>
+                      <a:r>
+                        <a:rPr lang="en-US" sz="1200" dirty="0"/>
+                        <a:t>34</a:t>
+                      </a:r>
+                    </a:p>
+                  </a:txBody>
+                  <a:tcPr anchor="ctr">
+                    <a:solidFill>
+                      <a:schemeClr val="accent4">
+                        <a:lumMod val="20000"/>
+                        <a:lumOff val="80000"/>
+                      </a:schemeClr>
+                    </a:solidFill>
+                  </a:tcPr>
+                </a:tc>
+                <a:tc>
+                  <a:txBody>
+                    <a:bodyPr/>
+                    <a:lstStyle/>
+                    <a:p>
+                      <a:pPr algn="ctr"/>
+                      <a:r>
+                        <a:rPr lang="en-US" sz="1200" dirty="0"/>
+                        <a:t>21</a:t>
+                      </a:r>
+                    </a:p>
+                  </a:txBody>
+                  <a:tcPr anchor="ctr">
+                    <a:solidFill>
+                      <a:schemeClr val="accent4">
+                        <a:lumMod val="20000"/>
+                        <a:lumOff val="80000"/>
+                      </a:schemeClr>
+                    </a:solidFill>
+                  </a:tcPr>
+                </a:tc>
+                <a:tc>
+                  <a:txBody>
+                    <a:bodyPr/>
+                    <a:lstStyle/>
+                    <a:p>
+                      <a:pPr algn="ctr"/>
+                      <a:r>
+                        <a:rPr lang="en-US" sz="1200" dirty="0"/>
+                        <a:t>79</a:t>
+                      </a:r>
+                    </a:p>
+                  </a:txBody>
+                  <a:tcPr anchor="ctr">
+                    <a:solidFill>
+                      <a:schemeClr val="accent4">
+                        <a:lumMod val="20000"/>
+                        <a:lumOff val="80000"/>
+                      </a:schemeClr>
+                    </a:solidFill>
+                  </a:tcPr>
+                </a:tc>
+                <a:extLst>
+                  <a:ext uri="{0D108BD9-81ED-4DB2-BD59-A6C34878D82A}">
+                    <a16:rowId xmlns:a16="http://schemas.microsoft.com/office/drawing/2014/main" val="712841122"/>
+                  </a:ext>
+                </a:extLst>
+              </a:tr>
+            </a:tbl>
+          </a:graphicData>
+        </a:graphic>
+      </p:graphicFrame>
+      <p:sp>
+        <p:nvSpPr>
+          <p:cNvPr id="57" name="TextBox 56">
+            <a:extLst>
+              <a:ext uri="{FF2B5EF4-FFF2-40B4-BE49-F238E27FC236}">
+                <a16:creationId xmlns:a16="http://schemas.microsoft.com/office/drawing/2014/main" id="{B296E93E-191B-7F45-A1CA-4C06B1C44AA8}"/>
+              </a:ext>
+            </a:extLst>
+          </p:cNvPr>
+          <p:cNvSpPr txBox="1"/>
+          <p:nvPr/>
+        </p:nvSpPr>
+        <p:spPr>
+          <a:xfrm>
+            <a:off x="7765606" y="4205277"/>
+            <a:ext cx="2429637" cy="307777"/>
+          </a:xfrm>
+          <a:prstGeom prst="rect">
+            <a:avLst/>
+          </a:prstGeom>
+          <a:noFill/>
+        </p:spPr>
+        <p:txBody>
+          <a:bodyPr wrap="square" rtlCol="0">
+            <a:spAutoFit/>
+          </a:bodyPr>
+          <a:lstStyle/>
+          <a:p>
+            <a:pPr algn="ctr"/>
+            <a:r>
+              <a:rPr lang="en-US" sz="1400" dirty="0">
+                <a:solidFill>
+                  <a:schemeClr val="bg1">
+                    <a:lumMod val="50000"/>
+                  </a:schemeClr>
+                </a:solidFill>
+              </a:rPr>
+              <a:t>age</a:t>
+            </a:r>
+          </a:p>
+        </p:txBody>
+      </p:sp>
+      <p:graphicFrame>
+        <p:nvGraphicFramePr>
+          <p:cNvPr id="58" name="Table 57">
+            <a:extLst>
+              <a:ext uri="{FF2B5EF4-FFF2-40B4-BE49-F238E27FC236}">
+                <a16:creationId xmlns:a16="http://schemas.microsoft.com/office/drawing/2014/main" id="{04A26397-C96E-B348-B902-784572B8BE09}"/>
+              </a:ext>
+            </a:extLst>
+          </p:cNvPr>
+          <p:cNvGraphicFramePr>
+            <a:graphicFrameLocks noGrp="1"/>
+          </p:cNvGraphicFramePr>
+          <p:nvPr>
+            <p:extLst>
+              <p:ext uri="{D42A27DB-BD31-4B8C-83A1-F6EECF244321}">
+                <p14:modId xmlns:p14="http://schemas.microsoft.com/office/powerpoint/2010/main" val="3307396677"/>
+              </p:ext>
+            </p:extLst>
+          </p:nvPr>
+        </p:nvGraphicFramePr>
+        <p:xfrm>
+          <a:off x="6723380" y="4745182"/>
+          <a:ext cx="4514088" cy="866110"/>
+        </p:xfrm>
+        <a:graphic>
+          <a:graphicData uri="http://schemas.openxmlformats.org/drawingml/2006/table">
+            <a:tbl>
+              <a:tblPr firstRow="1" bandRow="1">
+                <a:tableStyleId>{5C22544A-7EE6-4342-B048-85BDC9FD1C3A}</a:tableStyleId>
+              </a:tblPr>
+              <a:tblGrid>
+                <a:gridCol w="1128522">
+                  <a:extLst>
+                    <a:ext uri="{9D8B030D-6E8A-4147-A177-3AD203B41FA5}">
+                      <a16:colId xmlns:a16="http://schemas.microsoft.com/office/drawing/2014/main" val="1336564454"/>
+                    </a:ext>
+                  </a:extLst>
+                </a:gridCol>
+                <a:gridCol w="1128522">
+                  <a:extLst>
+                    <a:ext uri="{9D8B030D-6E8A-4147-A177-3AD203B41FA5}">
+                      <a16:colId xmlns:a16="http://schemas.microsoft.com/office/drawing/2014/main" val="3079891291"/>
+                    </a:ext>
+                  </a:extLst>
+                </a:gridCol>
+                <a:gridCol w="1128522">
+                  <a:extLst>
+                    <a:ext uri="{9D8B030D-6E8A-4147-A177-3AD203B41FA5}">
+                      <a16:colId xmlns:a16="http://schemas.microsoft.com/office/drawing/2014/main" val="3634830151"/>
+                    </a:ext>
+                  </a:extLst>
+                </a:gridCol>
+                <a:gridCol w="1128522">
+                  <a:extLst>
+                    <a:ext uri="{9D8B030D-6E8A-4147-A177-3AD203B41FA5}">
+                      <a16:colId xmlns:a16="http://schemas.microsoft.com/office/drawing/2014/main" val="1601995938"/>
+                    </a:ext>
+                  </a:extLst>
+                </a:gridCol>
+              </a:tblGrid>
+              <a:tr h="433055">
+                <a:tc>
+                  <a:txBody>
+                    <a:bodyPr/>
+                    <a:lstStyle/>
+                    <a:p>
+                      <a:pPr algn="ctr"/>
+                      <a:r>
+                        <a:rPr lang="en-US" sz="1200" dirty="0"/>
+                        <a:t>Mean</a:t>
+                      </a:r>
+                    </a:p>
+                  </a:txBody>
+                  <a:tcPr anchor="ctr">
+                    <a:solidFill>
+                      <a:srgbClr val="96ACBC"/>
+                    </a:solidFill>
+                  </a:tcPr>
+                </a:tc>
+                <a:tc>
+                  <a:txBody>
+                    <a:bodyPr/>
+                    <a:lstStyle/>
+                    <a:p>
+                      <a:pPr algn="ctr"/>
+                      <a:r>
+                        <a:rPr lang="en-US" sz="1200" dirty="0"/>
+                        <a:t>Middle</a:t>
+                      </a:r>
+                    </a:p>
+                  </a:txBody>
+                  <a:tcPr anchor="ctr">
+                    <a:solidFill>
+                      <a:srgbClr val="96ACBC"/>
+                    </a:solidFill>
+                  </a:tcPr>
+                </a:tc>
+                <a:tc>
+                  <a:txBody>
+                    <a:bodyPr/>
+                    <a:lstStyle/>
+                    <a:p>
+                      <a:pPr algn="ctr"/>
+                      <a:r>
+                        <a:rPr lang="en-US" sz="1200" dirty="0"/>
+                        <a:t>Min</a:t>
+                      </a:r>
+                    </a:p>
+                  </a:txBody>
+                  <a:tcPr anchor="ctr">
+                    <a:solidFill>
+                      <a:srgbClr val="96ACBC"/>
+                    </a:solidFill>
+                  </a:tcPr>
+                </a:tc>
+                <a:tc>
+                  <a:txBody>
+                    <a:bodyPr/>
+                    <a:lstStyle/>
+                    <a:p>
+                      <a:pPr algn="ctr"/>
+                      <a:r>
+                        <a:rPr lang="en-US" sz="1200" dirty="0"/>
+                        <a:t>Max</a:t>
+                      </a:r>
+                    </a:p>
+                  </a:txBody>
+                  <a:tcPr anchor="ctr">
+                    <a:solidFill>
+                      <a:srgbClr val="96ACBC"/>
+                    </a:solidFill>
+                  </a:tcPr>
+                </a:tc>
+                <a:extLst>
+                  <a:ext uri="{0D108BD9-81ED-4DB2-BD59-A6C34878D82A}">
+                    <a16:rowId xmlns:a16="http://schemas.microsoft.com/office/drawing/2014/main" val="1054776878"/>
+                  </a:ext>
+                </a:extLst>
+              </a:tr>
+              <a:tr h="433055">
+                <a:tc>
+                  <a:txBody>
+                    <a:bodyPr/>
+                    <a:lstStyle/>
+                    <a:p>
+                      <a:pPr algn="ctr"/>
+                      <a:r>
+                        <a:rPr lang="en-US" sz="1200" dirty="0"/>
+                        <a:t>167484</a:t>
+                      </a:r>
+                    </a:p>
+                  </a:txBody>
+                  <a:tcPr anchor="ctr">
+                    <a:solidFill>
+                      <a:schemeClr val="bg1">
+                        <a:lumMod val="95000"/>
+                      </a:schemeClr>
+                    </a:solidFill>
+                  </a:tcPr>
+                </a:tc>
+                <a:tc>
+                  <a:txBody>
+                    <a:bodyPr/>
+                    <a:lstStyle/>
+                    <a:p>
+                      <a:pPr algn="ctr"/>
+                      <a:r>
+                        <a:rPr lang="en-US" sz="1200" dirty="0"/>
+                        <a:t>140000</a:t>
+                      </a:r>
+                    </a:p>
+                  </a:txBody>
+                  <a:tcPr anchor="ctr">
+                    <a:solidFill>
+                      <a:schemeClr val="bg1">
+                        <a:lumMod val="95000"/>
+                      </a:schemeClr>
+                    </a:solidFill>
+                  </a:tcPr>
+                </a:tc>
+                <a:tc>
+                  <a:txBody>
+                    <a:bodyPr/>
+                    <a:lstStyle/>
+                    <a:p>
+                      <a:pPr algn="ctr"/>
+                      <a:r>
+                        <a:rPr lang="en-US" sz="1200" dirty="0"/>
+                        <a:t>1</a:t>
+                      </a:r>
+                    </a:p>
+                  </a:txBody>
+                  <a:tcPr anchor="ctr">
+                    <a:solidFill>
+                      <a:schemeClr val="bg1">
+                        <a:lumMod val="95000"/>
+                      </a:schemeClr>
+                    </a:solidFill>
+                  </a:tcPr>
+                </a:tc>
+                <a:tc>
+                  <a:txBody>
+                    <a:bodyPr/>
+                    <a:lstStyle/>
+                    <a:p>
+                      <a:pPr algn="ctr"/>
+                      <a:r>
+                        <a:rPr lang="en-US" sz="1200" dirty="0"/>
+                        <a:t>30000</a:t>
+                      </a:r>
+                    </a:p>
+                  </a:txBody>
+                  <a:tcPr anchor="ctr">
+                    <a:solidFill>
+                      <a:schemeClr val="bg1">
+                        <a:lumMod val="95000"/>
+                      </a:schemeClr>
+                    </a:solidFill>
+                  </a:tcPr>
+                </a:tc>
+                <a:extLst>
+                  <a:ext uri="{0D108BD9-81ED-4DB2-BD59-A6C34878D82A}">
+                    <a16:rowId xmlns:a16="http://schemas.microsoft.com/office/drawing/2014/main" val="712841122"/>
+                  </a:ext>
+                </a:extLst>
+              </a:tr>
+            </a:tbl>
+          </a:graphicData>
+        </a:graphic>
+      </p:graphicFrame>
+      <p:sp>
+        <p:nvSpPr>
+          <p:cNvPr id="59" name="TextBox 58">
+            <a:extLst>
+              <a:ext uri="{FF2B5EF4-FFF2-40B4-BE49-F238E27FC236}">
+                <a16:creationId xmlns:a16="http://schemas.microsoft.com/office/drawing/2014/main" id="{49E0208A-FBB1-E148-B924-822F6201310B}"/>
+              </a:ext>
+            </a:extLst>
+          </p:cNvPr>
+          <p:cNvSpPr txBox="1"/>
+          <p:nvPr/>
+        </p:nvSpPr>
+        <p:spPr>
+          <a:xfrm>
+            <a:off x="7765606" y="5651290"/>
+            <a:ext cx="2429637" cy="492443"/>
+          </a:xfrm>
+          <a:prstGeom prst="rect">
+            <a:avLst/>
+          </a:prstGeom>
+          <a:noFill/>
+        </p:spPr>
+        <p:txBody>
+          <a:bodyPr wrap="square" rtlCol="0">
+            <a:spAutoFit/>
+          </a:bodyPr>
+          <a:lstStyle/>
+          <a:p>
+            <a:pPr algn="ctr"/>
+            <a:r>
+              <a:rPr lang="en-US" sz="1400" dirty="0">
+                <a:solidFill>
+                  <a:schemeClr val="bg1">
+                    <a:lumMod val="50000"/>
+                  </a:schemeClr>
+                </a:solidFill>
+              </a:rPr>
+              <a:t>limit_bal</a:t>
+            </a:r>
+          </a:p>
+          <a:p>
+            <a:pPr algn="ctr"/>
+            <a:r>
+              <a:rPr lang="en-US" sz="1100" dirty="0">
+                <a:solidFill>
+                  <a:schemeClr val="bg1">
+                    <a:lumMod val="50000"/>
+                  </a:schemeClr>
+                </a:solidFill>
+              </a:rPr>
+              <a:t>(amount of the given credit)</a:t>
+            </a:r>
           </a:p>
         </p:txBody>
       </p:sp>
     </p:spTree>
     <p:extLst>
       <p:ext uri="{BB962C8B-B14F-4D97-AF65-F5344CB8AC3E}">
-        <p14:creationId xmlns:p14="http://schemas.microsoft.com/office/powerpoint/2010/main" val="573988171"/>
+        <p14:creationId xmlns:p14="http://schemas.microsoft.com/office/powerpoint/2010/main" val="3937713517"/>
       </p:ext>
     </p:extLst>
   </p:cSld>
